--- a/Figures/Thesis_figures.pptx
+++ b/Figures/Thesis_figures.pptx
@@ -261,7 +261,7 @@
           <a:p>
             <a:fld id="{E48CFD9D-2579-2B41-8273-A9C78B0B8633}" type="datetimeFigureOut">
               <a:rPr lang="en-AT" smtClean="0"/>
-              <a:t>30.03.22</a:t>
+              <a:t>13/09/2022</a:t>
             </a:fld>
             <a:endParaRPr lang="en-AT"/>
           </a:p>
@@ -461,7 +461,7 @@
           <a:p>
             <a:fld id="{E48CFD9D-2579-2B41-8273-A9C78B0B8633}" type="datetimeFigureOut">
               <a:rPr lang="en-AT" smtClean="0"/>
-              <a:t>30.03.22</a:t>
+              <a:t>13/09/2022</a:t>
             </a:fld>
             <a:endParaRPr lang="en-AT"/>
           </a:p>
@@ -671,7 +671,7 @@
           <a:p>
             <a:fld id="{E48CFD9D-2579-2B41-8273-A9C78B0B8633}" type="datetimeFigureOut">
               <a:rPr lang="en-AT" smtClean="0"/>
-              <a:t>30.03.22</a:t>
+              <a:t>13/09/2022</a:t>
             </a:fld>
             <a:endParaRPr lang="en-AT"/>
           </a:p>
@@ -871,7 +871,7 @@
           <a:p>
             <a:fld id="{E48CFD9D-2579-2B41-8273-A9C78B0B8633}" type="datetimeFigureOut">
               <a:rPr lang="en-AT" smtClean="0"/>
-              <a:t>30.03.22</a:t>
+              <a:t>13/09/2022</a:t>
             </a:fld>
             <a:endParaRPr lang="en-AT"/>
           </a:p>
@@ -1147,7 +1147,7 @@
           <a:p>
             <a:fld id="{E48CFD9D-2579-2B41-8273-A9C78B0B8633}" type="datetimeFigureOut">
               <a:rPr lang="en-AT" smtClean="0"/>
-              <a:t>30.03.22</a:t>
+              <a:t>13/09/2022</a:t>
             </a:fld>
             <a:endParaRPr lang="en-AT"/>
           </a:p>
@@ -1415,7 +1415,7 @@
           <a:p>
             <a:fld id="{E48CFD9D-2579-2B41-8273-A9C78B0B8633}" type="datetimeFigureOut">
               <a:rPr lang="en-AT" smtClean="0"/>
-              <a:t>30.03.22</a:t>
+              <a:t>13/09/2022</a:t>
             </a:fld>
             <a:endParaRPr lang="en-AT"/>
           </a:p>
@@ -1830,7 +1830,7 @@
           <a:p>
             <a:fld id="{E48CFD9D-2579-2B41-8273-A9C78B0B8633}" type="datetimeFigureOut">
               <a:rPr lang="en-AT" smtClean="0"/>
-              <a:t>30.03.22</a:t>
+              <a:t>13/09/2022</a:t>
             </a:fld>
             <a:endParaRPr lang="en-AT"/>
           </a:p>
@@ -1972,7 +1972,7 @@
           <a:p>
             <a:fld id="{E48CFD9D-2579-2B41-8273-A9C78B0B8633}" type="datetimeFigureOut">
               <a:rPr lang="en-AT" smtClean="0"/>
-              <a:t>30.03.22</a:t>
+              <a:t>13/09/2022</a:t>
             </a:fld>
             <a:endParaRPr lang="en-AT"/>
           </a:p>
@@ -2085,7 +2085,7 @@
           <a:p>
             <a:fld id="{E48CFD9D-2579-2B41-8273-A9C78B0B8633}" type="datetimeFigureOut">
               <a:rPr lang="en-AT" smtClean="0"/>
-              <a:t>30.03.22</a:t>
+              <a:t>13/09/2022</a:t>
             </a:fld>
             <a:endParaRPr lang="en-AT"/>
           </a:p>
@@ -2398,7 +2398,7 @@
           <a:p>
             <a:fld id="{E48CFD9D-2579-2B41-8273-A9C78B0B8633}" type="datetimeFigureOut">
               <a:rPr lang="en-AT" smtClean="0"/>
-              <a:t>30.03.22</a:t>
+              <a:t>13/09/2022</a:t>
             </a:fld>
             <a:endParaRPr lang="en-AT"/>
           </a:p>
@@ -2687,7 +2687,7 @@
           <a:p>
             <a:fld id="{E48CFD9D-2579-2B41-8273-A9C78B0B8633}" type="datetimeFigureOut">
               <a:rPr lang="en-AT" smtClean="0"/>
-              <a:t>30.03.22</a:t>
+              <a:t>13/09/2022</a:t>
             </a:fld>
             <a:endParaRPr lang="en-AT"/>
           </a:p>
@@ -2930,7 +2930,7 @@
           <a:p>
             <a:fld id="{E48CFD9D-2579-2B41-8273-A9C78B0B8633}" type="datetimeFigureOut">
               <a:rPr lang="en-AT" smtClean="0"/>
-              <a:t>30.03.22</a:t>
+              <a:t>13/09/2022</a:t>
             </a:fld>
             <a:endParaRPr lang="en-AT"/>
           </a:p>
@@ -3349,61 +3349,6 @@
       </p:grpSpPr>
       <p:sp>
         <p:nvSpPr>
-          <p:cNvPr id="2" name="Rounded Rectangle 1">
-            <a:extLst>
-              <a:ext uri="{FF2B5EF4-FFF2-40B4-BE49-F238E27FC236}">
-                <a16:creationId xmlns:a16="http://schemas.microsoft.com/office/drawing/2014/main" id="{1F1CFAB3-8C20-E740-83DD-E6D871EB1004}"/>
-              </a:ext>
-            </a:extLst>
-          </p:cNvPr>
-          <p:cNvSpPr/>
-          <p:nvPr/>
-        </p:nvSpPr>
-        <p:spPr>
-          <a:xfrm>
-            <a:off x="211014" y="1050325"/>
-            <a:ext cx="11183817" cy="2378676"/>
-          </a:xfrm>
-          <a:prstGeom prst="roundRect">
-            <a:avLst/>
-          </a:prstGeom>
-          <a:solidFill>
-            <a:schemeClr val="accent3">
-              <a:lumMod val="60000"/>
-              <a:lumOff val="40000"/>
-            </a:schemeClr>
-          </a:solidFill>
-          <a:ln>
-            <a:noFill/>
-          </a:ln>
-        </p:spPr>
-        <p:style>
-          <a:lnRef idx="2">
-            <a:schemeClr val="accent1">
-              <a:shade val="50000"/>
-            </a:schemeClr>
-          </a:lnRef>
-          <a:fillRef idx="1">
-            <a:schemeClr val="accent1"/>
-          </a:fillRef>
-          <a:effectRef idx="0">
-            <a:schemeClr val="accent1"/>
-          </a:effectRef>
-          <a:fontRef idx="minor">
-            <a:schemeClr val="lt1"/>
-          </a:fontRef>
-        </p:style>
-        <p:txBody>
-          <a:bodyPr rtlCol="0" anchor="ctr"/>
-          <a:lstStyle/>
-          <a:p>
-            <a:pPr algn="ctr"/>
-            <a:endParaRPr lang="en-AT"/>
-          </a:p>
-        </p:txBody>
-      </p:sp>
-      <p:sp>
-        <p:nvSpPr>
           <p:cNvPr id="5" name="Rounded Rectangle 4">
             <a:extLst>
               <a:ext uri="{FF2B5EF4-FFF2-40B4-BE49-F238E27FC236}">
@@ -3886,6 +3831,263 @@
         <p:spPr>
           <a:xfrm>
             <a:off x="7176237" y="2416683"/>
+            <a:ext cx="1189761" cy="0"/>
+          </a:xfrm>
+          <a:prstGeom prst="straightConnector1">
+            <a:avLst/>
+          </a:prstGeom>
+          <a:ln w="133350">
+            <a:solidFill>
+              <a:schemeClr val="tx1"/>
+            </a:solidFill>
+            <a:tailEnd type="triangle"/>
+          </a:ln>
+        </p:spPr>
+        <p:style>
+          <a:lnRef idx="1">
+            <a:schemeClr val="dk1"/>
+          </a:lnRef>
+          <a:fillRef idx="0">
+            <a:schemeClr val="dk1"/>
+          </a:fillRef>
+          <a:effectRef idx="0">
+            <a:schemeClr val="dk1"/>
+          </a:effectRef>
+          <a:fontRef idx="minor">
+            <a:schemeClr val="tx1"/>
+          </a:fontRef>
+        </p:style>
+      </p:cxnSp>
+      <p:sp>
+        <p:nvSpPr>
+          <p:cNvPr id="20" name="Rounded Rectangle 4">
+            <a:extLst>
+              <a:ext uri="{FF2B5EF4-FFF2-40B4-BE49-F238E27FC236}">
+                <a16:creationId xmlns:a16="http://schemas.microsoft.com/office/drawing/2014/main" id="{8F400ED3-C3B2-4426-0024-97B84510ACA8}"/>
+              </a:ext>
+            </a:extLst>
+          </p:cNvPr>
+          <p:cNvSpPr/>
+          <p:nvPr/>
+        </p:nvSpPr>
+        <p:spPr>
+          <a:xfrm>
+            <a:off x="500602" y="4025673"/>
+            <a:ext cx="2755494" cy="1719072"/>
+          </a:xfrm>
+          <a:prstGeom prst="roundRect">
+            <a:avLst/>
+          </a:prstGeom>
+          <a:solidFill>
+            <a:schemeClr val="accent5">
+              <a:lumMod val="75000"/>
+            </a:schemeClr>
+          </a:solidFill>
+          <a:ln>
+            <a:noFill/>
+          </a:ln>
+        </p:spPr>
+        <p:style>
+          <a:lnRef idx="2">
+            <a:schemeClr val="accent1">
+              <a:shade val="50000"/>
+            </a:schemeClr>
+          </a:lnRef>
+          <a:fillRef idx="1">
+            <a:schemeClr val="accent1"/>
+          </a:fillRef>
+          <a:effectRef idx="0">
+            <a:schemeClr val="accent1"/>
+          </a:effectRef>
+          <a:fontRef idx="minor">
+            <a:schemeClr val="lt1"/>
+          </a:fontRef>
+        </p:style>
+        <p:txBody>
+          <a:bodyPr rtlCol="0" anchor="ctr"/>
+          <a:lstStyle/>
+          <a:p>
+            <a:pPr algn="ctr"/>
+            <a:r>
+              <a:rPr lang="en-AT" b="1" dirty="0"/>
+              <a:t>Network Structure Estimation</a:t>
+            </a:r>
+          </a:p>
+        </p:txBody>
+      </p:sp>
+      <p:sp>
+        <p:nvSpPr>
+          <p:cNvPr id="22" name="Rounded Rectangle 8">
+            <a:extLst>
+              <a:ext uri="{FF2B5EF4-FFF2-40B4-BE49-F238E27FC236}">
+                <a16:creationId xmlns:a16="http://schemas.microsoft.com/office/drawing/2014/main" id="{F043ACE4-601A-8FF7-40B3-89645000DFEF}"/>
+              </a:ext>
+            </a:extLst>
+          </p:cNvPr>
+          <p:cNvSpPr/>
+          <p:nvPr/>
+        </p:nvSpPr>
+        <p:spPr>
+          <a:xfrm>
+            <a:off x="4445857" y="4025673"/>
+            <a:ext cx="2755494" cy="1719072"/>
+          </a:xfrm>
+          <a:prstGeom prst="roundRect">
+            <a:avLst/>
+          </a:prstGeom>
+          <a:solidFill>
+            <a:srgbClr val="C43E25"/>
+          </a:solidFill>
+          <a:ln>
+            <a:noFill/>
+          </a:ln>
+        </p:spPr>
+        <p:style>
+          <a:lnRef idx="2">
+            <a:schemeClr val="accent1">
+              <a:shade val="50000"/>
+            </a:schemeClr>
+          </a:lnRef>
+          <a:fillRef idx="1">
+            <a:schemeClr val="accent1"/>
+          </a:fillRef>
+          <a:effectRef idx="0">
+            <a:schemeClr val="accent1"/>
+          </a:effectRef>
+          <a:fontRef idx="minor">
+            <a:schemeClr val="lt1"/>
+          </a:fontRef>
+        </p:style>
+        <p:txBody>
+          <a:bodyPr rtlCol="0" anchor="ctr"/>
+          <a:lstStyle/>
+          <a:p>
+            <a:pPr algn="ctr"/>
+            <a:r>
+              <a:rPr lang="en-AT" b="1" dirty="0"/>
+              <a:t>Network Description</a:t>
+            </a:r>
+          </a:p>
+        </p:txBody>
+      </p:sp>
+      <p:sp>
+        <p:nvSpPr>
+          <p:cNvPr id="24" name="Rounded Rectangle 10">
+            <a:extLst>
+              <a:ext uri="{FF2B5EF4-FFF2-40B4-BE49-F238E27FC236}">
+                <a16:creationId xmlns:a16="http://schemas.microsoft.com/office/drawing/2014/main" id="{068D8B88-6F37-3858-F571-937F67AD6C11}"/>
+              </a:ext>
+            </a:extLst>
+          </p:cNvPr>
+          <p:cNvSpPr/>
+          <p:nvPr/>
+        </p:nvSpPr>
+        <p:spPr>
+          <a:xfrm>
+            <a:off x="8391112" y="4025673"/>
+            <a:ext cx="2755494" cy="1719072"/>
+          </a:xfrm>
+          <a:prstGeom prst="roundRect">
+            <a:avLst/>
+          </a:prstGeom>
+          <a:solidFill>
+            <a:schemeClr val="accent6">
+              <a:lumMod val="75000"/>
+            </a:schemeClr>
+          </a:solidFill>
+          <a:ln>
+            <a:noFill/>
+          </a:ln>
+        </p:spPr>
+        <p:style>
+          <a:lnRef idx="2">
+            <a:schemeClr val="accent1">
+              <a:shade val="50000"/>
+            </a:schemeClr>
+          </a:lnRef>
+          <a:fillRef idx="1">
+            <a:schemeClr val="accent1"/>
+          </a:fillRef>
+          <a:effectRef idx="0">
+            <a:schemeClr val="accent1"/>
+          </a:effectRef>
+          <a:fontRef idx="minor">
+            <a:schemeClr val="lt1"/>
+          </a:fontRef>
+        </p:style>
+        <p:txBody>
+          <a:bodyPr rtlCol="0" anchor="ctr"/>
+          <a:lstStyle/>
+          <a:p>
+            <a:pPr algn="ctr"/>
+            <a:r>
+              <a:rPr lang="en-AT" b="1" dirty="0"/>
+              <a:t>Stability Analysis</a:t>
+            </a:r>
+          </a:p>
+        </p:txBody>
+      </p:sp>
+      <p:cxnSp>
+        <p:nvCxnSpPr>
+          <p:cNvPr id="26" name="Straight Arrow Connector 25">
+            <a:extLst>
+              <a:ext uri="{FF2B5EF4-FFF2-40B4-BE49-F238E27FC236}">
+                <a16:creationId xmlns:a16="http://schemas.microsoft.com/office/drawing/2014/main" id="{8E193E5F-BEF5-4CFA-76F0-42A4E7568040}"/>
+              </a:ext>
+            </a:extLst>
+          </p:cNvPr>
+          <p:cNvCxnSpPr>
+            <a:cxnSpLocks/>
+          </p:cNvCxnSpPr>
+          <p:nvPr/>
+        </p:nvCxnSpPr>
+        <p:spPr>
+          <a:xfrm>
+            <a:off x="3256096" y="4885209"/>
+            <a:ext cx="1189761" cy="0"/>
+          </a:xfrm>
+          <a:prstGeom prst="straightConnector1">
+            <a:avLst/>
+          </a:prstGeom>
+          <a:ln w="133350">
+            <a:solidFill>
+              <a:schemeClr val="tx1"/>
+            </a:solidFill>
+            <a:tailEnd type="triangle"/>
+          </a:ln>
+        </p:spPr>
+        <p:style>
+          <a:lnRef idx="1">
+            <a:schemeClr val="dk1"/>
+          </a:lnRef>
+          <a:fillRef idx="0">
+            <a:schemeClr val="dk1"/>
+          </a:fillRef>
+          <a:effectRef idx="0">
+            <a:schemeClr val="dk1"/>
+          </a:effectRef>
+          <a:fontRef idx="minor">
+            <a:schemeClr val="tx1"/>
+          </a:fontRef>
+        </p:style>
+      </p:cxnSp>
+      <p:cxnSp>
+        <p:nvCxnSpPr>
+          <p:cNvPr id="27" name="Straight Arrow Connector 26">
+            <a:extLst>
+              <a:ext uri="{FF2B5EF4-FFF2-40B4-BE49-F238E27FC236}">
+                <a16:creationId xmlns:a16="http://schemas.microsoft.com/office/drawing/2014/main" id="{A58B9FBC-E88E-BD66-96B0-4133FAFB69AD}"/>
+              </a:ext>
+            </a:extLst>
+          </p:cNvPr>
+          <p:cNvCxnSpPr>
+            <a:cxnSpLocks/>
+          </p:cNvCxnSpPr>
+          <p:nvPr/>
+        </p:nvCxnSpPr>
+        <p:spPr>
+          <a:xfrm>
+            <a:off x="7201351" y="4869588"/>
             <a:ext cx="1189761" cy="0"/>
           </a:xfrm>
           <a:prstGeom prst="straightConnector1">

--- a/Figures/Thesis_figures.pptx
+++ b/Figures/Thesis_figures.pptx
@@ -6,6 +6,9 @@
   </p:sldMasterIdLst>
   <p:sldIdLst>
     <p:sldId id="256" r:id="rId2"/>
+    <p:sldId id="257" r:id="rId3"/>
+    <p:sldId id="258" r:id="rId4"/>
+    <p:sldId id="259" r:id="rId5"/>
   </p:sldIdLst>
   <p:sldSz cx="12192000" cy="6858000"/>
   <p:notesSz cx="6858000" cy="9144000"/>
@@ -261,7 +264,7 @@
           <a:p>
             <a:fld id="{E48CFD9D-2579-2B41-8273-A9C78B0B8633}" type="datetimeFigureOut">
               <a:rPr lang="en-AT" smtClean="0"/>
-              <a:t>13/09/2022</a:t>
+              <a:t>15/09/2022</a:t>
             </a:fld>
             <a:endParaRPr lang="en-AT"/>
           </a:p>
@@ -461,7 +464,7 @@
           <a:p>
             <a:fld id="{E48CFD9D-2579-2B41-8273-A9C78B0B8633}" type="datetimeFigureOut">
               <a:rPr lang="en-AT" smtClean="0"/>
-              <a:t>13/09/2022</a:t>
+              <a:t>15/09/2022</a:t>
             </a:fld>
             <a:endParaRPr lang="en-AT"/>
           </a:p>
@@ -671,7 +674,7 @@
           <a:p>
             <a:fld id="{E48CFD9D-2579-2B41-8273-A9C78B0B8633}" type="datetimeFigureOut">
               <a:rPr lang="en-AT" smtClean="0"/>
-              <a:t>13/09/2022</a:t>
+              <a:t>15/09/2022</a:t>
             </a:fld>
             <a:endParaRPr lang="en-AT"/>
           </a:p>
@@ -871,7 +874,7 @@
           <a:p>
             <a:fld id="{E48CFD9D-2579-2B41-8273-A9C78B0B8633}" type="datetimeFigureOut">
               <a:rPr lang="en-AT" smtClean="0"/>
-              <a:t>13/09/2022</a:t>
+              <a:t>15/09/2022</a:t>
             </a:fld>
             <a:endParaRPr lang="en-AT"/>
           </a:p>
@@ -1147,7 +1150,7 @@
           <a:p>
             <a:fld id="{E48CFD9D-2579-2B41-8273-A9C78B0B8633}" type="datetimeFigureOut">
               <a:rPr lang="en-AT" smtClean="0"/>
-              <a:t>13/09/2022</a:t>
+              <a:t>15/09/2022</a:t>
             </a:fld>
             <a:endParaRPr lang="en-AT"/>
           </a:p>
@@ -1415,7 +1418,7 @@
           <a:p>
             <a:fld id="{E48CFD9D-2579-2B41-8273-A9C78B0B8633}" type="datetimeFigureOut">
               <a:rPr lang="en-AT" smtClean="0"/>
-              <a:t>13/09/2022</a:t>
+              <a:t>15/09/2022</a:t>
             </a:fld>
             <a:endParaRPr lang="en-AT"/>
           </a:p>
@@ -1830,7 +1833,7 @@
           <a:p>
             <a:fld id="{E48CFD9D-2579-2B41-8273-A9C78B0B8633}" type="datetimeFigureOut">
               <a:rPr lang="en-AT" smtClean="0"/>
-              <a:t>13/09/2022</a:t>
+              <a:t>15/09/2022</a:t>
             </a:fld>
             <a:endParaRPr lang="en-AT"/>
           </a:p>
@@ -1972,7 +1975,7 @@
           <a:p>
             <a:fld id="{E48CFD9D-2579-2B41-8273-A9C78B0B8633}" type="datetimeFigureOut">
               <a:rPr lang="en-AT" smtClean="0"/>
-              <a:t>13/09/2022</a:t>
+              <a:t>15/09/2022</a:t>
             </a:fld>
             <a:endParaRPr lang="en-AT"/>
           </a:p>
@@ -2085,7 +2088,7 @@
           <a:p>
             <a:fld id="{E48CFD9D-2579-2B41-8273-A9C78B0B8633}" type="datetimeFigureOut">
               <a:rPr lang="en-AT" smtClean="0"/>
-              <a:t>13/09/2022</a:t>
+              <a:t>15/09/2022</a:t>
             </a:fld>
             <a:endParaRPr lang="en-AT"/>
           </a:p>
@@ -2398,7 +2401,7 @@
           <a:p>
             <a:fld id="{E48CFD9D-2579-2B41-8273-A9C78B0B8633}" type="datetimeFigureOut">
               <a:rPr lang="en-AT" smtClean="0"/>
-              <a:t>13/09/2022</a:t>
+              <a:t>15/09/2022</a:t>
             </a:fld>
             <a:endParaRPr lang="en-AT"/>
           </a:p>
@@ -2687,7 +2690,7 @@
           <a:p>
             <a:fld id="{E48CFD9D-2579-2B41-8273-A9C78B0B8633}" type="datetimeFigureOut">
               <a:rPr lang="en-AT" smtClean="0"/>
-              <a:t>13/09/2022</a:t>
+              <a:t>15/09/2022</a:t>
             </a:fld>
             <a:endParaRPr lang="en-AT"/>
           </a:p>
@@ -2930,7 +2933,7 @@
           <a:p>
             <a:fld id="{E48CFD9D-2579-2B41-8273-A9C78B0B8633}" type="datetimeFigureOut">
               <a:rPr lang="en-AT" smtClean="0"/>
-              <a:t>13/09/2022</a:t>
+              <a:t>15/09/2022</a:t>
             </a:fld>
             <a:endParaRPr lang="en-AT"/>
           </a:p>
@@ -4128,6 +4131,1035 @@
 </p:sld>
 </file>
 
+<file path=ppt/slides/slide2.xml><?xml version="1.0" encoding="utf-8"?>
+<p:sld xmlns:a="http://schemas.openxmlformats.org/drawingml/2006/main" xmlns:r="http://schemas.openxmlformats.org/officeDocument/2006/relationships" xmlns:p="http://schemas.openxmlformats.org/presentationml/2006/main">
+  <p:cSld>
+    <p:spTree>
+      <p:nvGrpSpPr>
+        <p:cNvPr id="1" name=""/>
+        <p:cNvGrpSpPr/>
+        <p:nvPr/>
+      </p:nvGrpSpPr>
+      <p:grpSpPr>
+        <a:xfrm>
+          <a:off x="0" y="0"/>
+          <a:ext cx="0" cy="0"/>
+          <a:chOff x="0" y="0"/>
+          <a:chExt cx="0" cy="0"/>
+        </a:xfrm>
+      </p:grpSpPr>
+      <p:sp>
+        <p:nvSpPr>
+          <p:cNvPr id="4" name="Rounded Rectangle 4">
+            <a:extLst>
+              <a:ext uri="{FF2B5EF4-FFF2-40B4-BE49-F238E27FC236}">
+                <a16:creationId xmlns:a16="http://schemas.microsoft.com/office/drawing/2014/main" id="{99D19433-41A4-E4D0-9D2D-BB03F687B869}"/>
+              </a:ext>
+            </a:extLst>
+          </p:cNvPr>
+          <p:cNvSpPr/>
+          <p:nvPr/>
+        </p:nvSpPr>
+        <p:spPr>
+          <a:xfrm>
+            <a:off x="500602" y="4025673"/>
+            <a:ext cx="2755494" cy="1719072"/>
+          </a:xfrm>
+          <a:prstGeom prst="roundRect">
+            <a:avLst/>
+          </a:prstGeom>
+          <a:solidFill>
+            <a:schemeClr val="accent5">
+              <a:lumMod val="75000"/>
+            </a:schemeClr>
+          </a:solidFill>
+          <a:ln>
+            <a:noFill/>
+          </a:ln>
+        </p:spPr>
+        <p:style>
+          <a:lnRef idx="2">
+            <a:schemeClr val="accent1">
+              <a:shade val="50000"/>
+            </a:schemeClr>
+          </a:lnRef>
+          <a:fillRef idx="1">
+            <a:schemeClr val="accent1"/>
+          </a:fillRef>
+          <a:effectRef idx="0">
+            <a:schemeClr val="accent1"/>
+          </a:effectRef>
+          <a:fontRef idx="minor">
+            <a:schemeClr val="lt1"/>
+          </a:fontRef>
+        </p:style>
+        <p:txBody>
+          <a:bodyPr rtlCol="0" anchor="ctr"/>
+          <a:lstStyle/>
+          <a:p>
+            <a:pPr algn="ctr"/>
+            <a:r>
+              <a:rPr lang="en-AT" b="1" dirty="0"/>
+              <a:t>Network Structure Estimation</a:t>
+            </a:r>
+          </a:p>
+        </p:txBody>
+      </p:sp>
+      <p:sp>
+        <p:nvSpPr>
+          <p:cNvPr id="5" name="Rounded Rectangle 8">
+            <a:extLst>
+              <a:ext uri="{FF2B5EF4-FFF2-40B4-BE49-F238E27FC236}">
+                <a16:creationId xmlns:a16="http://schemas.microsoft.com/office/drawing/2014/main" id="{778B2797-39C2-12BB-2C22-19A8EED8C0D2}"/>
+              </a:ext>
+            </a:extLst>
+          </p:cNvPr>
+          <p:cNvSpPr/>
+          <p:nvPr/>
+        </p:nvSpPr>
+        <p:spPr>
+          <a:xfrm>
+            <a:off x="4445857" y="4025673"/>
+            <a:ext cx="2755494" cy="1719072"/>
+          </a:xfrm>
+          <a:prstGeom prst="roundRect">
+            <a:avLst/>
+          </a:prstGeom>
+          <a:solidFill>
+            <a:srgbClr val="C43E25"/>
+          </a:solidFill>
+          <a:ln>
+            <a:noFill/>
+          </a:ln>
+        </p:spPr>
+        <p:style>
+          <a:lnRef idx="2">
+            <a:schemeClr val="accent1">
+              <a:shade val="50000"/>
+            </a:schemeClr>
+          </a:lnRef>
+          <a:fillRef idx="1">
+            <a:schemeClr val="accent1"/>
+          </a:fillRef>
+          <a:effectRef idx="0">
+            <a:schemeClr val="accent1"/>
+          </a:effectRef>
+          <a:fontRef idx="minor">
+            <a:schemeClr val="lt1"/>
+          </a:fontRef>
+        </p:style>
+        <p:txBody>
+          <a:bodyPr rtlCol="0" anchor="ctr"/>
+          <a:lstStyle/>
+          <a:p>
+            <a:pPr algn="ctr"/>
+            <a:r>
+              <a:rPr lang="en-AT" b="1" dirty="0"/>
+              <a:t>Network Description</a:t>
+            </a:r>
+          </a:p>
+        </p:txBody>
+      </p:sp>
+      <p:sp>
+        <p:nvSpPr>
+          <p:cNvPr id="6" name="Rounded Rectangle 10">
+            <a:extLst>
+              <a:ext uri="{FF2B5EF4-FFF2-40B4-BE49-F238E27FC236}">
+                <a16:creationId xmlns:a16="http://schemas.microsoft.com/office/drawing/2014/main" id="{B577E78D-EC62-302A-620C-B559E56070F2}"/>
+              </a:ext>
+            </a:extLst>
+          </p:cNvPr>
+          <p:cNvSpPr/>
+          <p:nvPr/>
+        </p:nvSpPr>
+        <p:spPr>
+          <a:xfrm>
+            <a:off x="8391112" y="4025673"/>
+            <a:ext cx="2755494" cy="1719072"/>
+          </a:xfrm>
+          <a:prstGeom prst="roundRect">
+            <a:avLst/>
+          </a:prstGeom>
+          <a:solidFill>
+            <a:schemeClr val="accent6">
+              <a:lumMod val="75000"/>
+            </a:schemeClr>
+          </a:solidFill>
+          <a:ln>
+            <a:noFill/>
+          </a:ln>
+        </p:spPr>
+        <p:style>
+          <a:lnRef idx="2">
+            <a:schemeClr val="accent1">
+              <a:shade val="50000"/>
+            </a:schemeClr>
+          </a:lnRef>
+          <a:fillRef idx="1">
+            <a:schemeClr val="accent1"/>
+          </a:fillRef>
+          <a:effectRef idx="0">
+            <a:schemeClr val="accent1"/>
+          </a:effectRef>
+          <a:fontRef idx="minor">
+            <a:schemeClr val="lt1"/>
+          </a:fontRef>
+        </p:style>
+        <p:txBody>
+          <a:bodyPr rtlCol="0" anchor="ctr"/>
+          <a:lstStyle/>
+          <a:p>
+            <a:pPr algn="ctr"/>
+            <a:r>
+              <a:rPr lang="en-AT" b="1" dirty="0"/>
+              <a:t>Stability Analysis</a:t>
+            </a:r>
+          </a:p>
+        </p:txBody>
+      </p:sp>
+      <p:cxnSp>
+        <p:nvCxnSpPr>
+          <p:cNvPr id="7" name="Straight Arrow Connector 6">
+            <a:extLst>
+              <a:ext uri="{FF2B5EF4-FFF2-40B4-BE49-F238E27FC236}">
+                <a16:creationId xmlns:a16="http://schemas.microsoft.com/office/drawing/2014/main" id="{261A0A0F-F6B2-2573-33AD-F515EE7B76A2}"/>
+              </a:ext>
+            </a:extLst>
+          </p:cNvPr>
+          <p:cNvCxnSpPr>
+            <a:cxnSpLocks/>
+          </p:cNvCxnSpPr>
+          <p:nvPr/>
+        </p:nvCxnSpPr>
+        <p:spPr>
+          <a:xfrm>
+            <a:off x="3256096" y="4885209"/>
+            <a:ext cx="1189761" cy="0"/>
+          </a:xfrm>
+          <a:prstGeom prst="straightConnector1">
+            <a:avLst/>
+          </a:prstGeom>
+          <a:ln w="133350">
+            <a:solidFill>
+              <a:srgbClr val="000000">
+                <a:alpha val="10196"/>
+              </a:srgbClr>
+            </a:solidFill>
+            <a:tailEnd type="triangle"/>
+          </a:ln>
+        </p:spPr>
+        <p:style>
+          <a:lnRef idx="1">
+            <a:schemeClr val="dk1"/>
+          </a:lnRef>
+          <a:fillRef idx="0">
+            <a:schemeClr val="dk1"/>
+          </a:fillRef>
+          <a:effectRef idx="0">
+            <a:schemeClr val="dk1"/>
+          </a:effectRef>
+          <a:fontRef idx="minor">
+            <a:schemeClr val="tx1"/>
+          </a:fontRef>
+        </p:style>
+      </p:cxnSp>
+      <p:cxnSp>
+        <p:nvCxnSpPr>
+          <p:cNvPr id="8" name="Straight Arrow Connector 7">
+            <a:extLst>
+              <a:ext uri="{FF2B5EF4-FFF2-40B4-BE49-F238E27FC236}">
+                <a16:creationId xmlns:a16="http://schemas.microsoft.com/office/drawing/2014/main" id="{8F753110-C3A6-7DC9-2A08-08D47FFE902C}"/>
+              </a:ext>
+            </a:extLst>
+          </p:cNvPr>
+          <p:cNvCxnSpPr>
+            <a:cxnSpLocks/>
+          </p:cNvCxnSpPr>
+          <p:nvPr/>
+        </p:nvCxnSpPr>
+        <p:spPr>
+          <a:xfrm>
+            <a:off x="7201351" y="4869588"/>
+            <a:ext cx="1189761" cy="0"/>
+          </a:xfrm>
+          <a:prstGeom prst="straightConnector1">
+            <a:avLst/>
+          </a:prstGeom>
+          <a:ln w="133350">
+            <a:solidFill>
+              <a:srgbClr val="000000">
+                <a:alpha val="10196"/>
+              </a:srgbClr>
+            </a:solidFill>
+            <a:tailEnd type="triangle"/>
+          </a:ln>
+        </p:spPr>
+        <p:style>
+          <a:lnRef idx="1">
+            <a:schemeClr val="dk1"/>
+          </a:lnRef>
+          <a:fillRef idx="0">
+            <a:schemeClr val="dk1"/>
+          </a:fillRef>
+          <a:effectRef idx="0">
+            <a:schemeClr val="dk1"/>
+          </a:effectRef>
+          <a:fontRef idx="minor">
+            <a:schemeClr val="tx1"/>
+          </a:fontRef>
+        </p:style>
+      </p:cxnSp>
+      <p:sp>
+        <p:nvSpPr>
+          <p:cNvPr id="9" name="Rectangle: Rounded Corners 8">
+            <a:extLst>
+              <a:ext uri="{FF2B5EF4-FFF2-40B4-BE49-F238E27FC236}">
+                <a16:creationId xmlns:a16="http://schemas.microsoft.com/office/drawing/2014/main" id="{77553313-95B9-AE8A-86C8-EAFD82D1261C}"/>
+              </a:ext>
+            </a:extLst>
+          </p:cNvPr>
+          <p:cNvSpPr/>
+          <p:nvPr/>
+        </p:nvSpPr>
+        <p:spPr>
+          <a:xfrm>
+            <a:off x="4445857" y="4025673"/>
+            <a:ext cx="2755494" cy="1719064"/>
+          </a:xfrm>
+          <a:prstGeom prst="roundRect">
+            <a:avLst/>
+          </a:prstGeom>
+          <a:solidFill>
+            <a:srgbClr val="7C7C7C">
+              <a:alpha val="69804"/>
+            </a:srgbClr>
+          </a:solidFill>
+          <a:ln>
+            <a:noFill/>
+          </a:ln>
+        </p:spPr>
+        <p:style>
+          <a:lnRef idx="2">
+            <a:schemeClr val="accent1">
+              <a:shade val="50000"/>
+            </a:schemeClr>
+          </a:lnRef>
+          <a:fillRef idx="1">
+            <a:schemeClr val="accent1"/>
+          </a:fillRef>
+          <a:effectRef idx="0">
+            <a:schemeClr val="accent1"/>
+          </a:effectRef>
+          <a:fontRef idx="minor">
+            <a:schemeClr val="lt1"/>
+          </a:fontRef>
+        </p:style>
+        <p:txBody>
+          <a:bodyPr rtlCol="0" anchor="ctr"/>
+          <a:lstStyle/>
+          <a:p>
+            <a:pPr algn="ctr"/>
+            <a:endParaRPr lang="en-AT" dirty="0"/>
+          </a:p>
+        </p:txBody>
+      </p:sp>
+      <p:sp>
+        <p:nvSpPr>
+          <p:cNvPr id="11" name="Rectangle: Rounded Corners 10">
+            <a:extLst>
+              <a:ext uri="{FF2B5EF4-FFF2-40B4-BE49-F238E27FC236}">
+                <a16:creationId xmlns:a16="http://schemas.microsoft.com/office/drawing/2014/main" id="{EF4A642E-A0C5-63B1-F6AF-F8EE34765505}"/>
+              </a:ext>
+            </a:extLst>
+          </p:cNvPr>
+          <p:cNvSpPr/>
+          <p:nvPr/>
+        </p:nvSpPr>
+        <p:spPr>
+          <a:xfrm>
+            <a:off x="8391112" y="4010056"/>
+            <a:ext cx="2755494" cy="1719064"/>
+          </a:xfrm>
+          <a:prstGeom prst="roundRect">
+            <a:avLst/>
+          </a:prstGeom>
+          <a:solidFill>
+            <a:srgbClr val="7C7C7C">
+              <a:alpha val="69804"/>
+            </a:srgbClr>
+          </a:solidFill>
+          <a:ln>
+            <a:noFill/>
+          </a:ln>
+        </p:spPr>
+        <p:style>
+          <a:lnRef idx="2">
+            <a:schemeClr val="accent1">
+              <a:shade val="50000"/>
+            </a:schemeClr>
+          </a:lnRef>
+          <a:fillRef idx="1">
+            <a:schemeClr val="accent1"/>
+          </a:fillRef>
+          <a:effectRef idx="0">
+            <a:schemeClr val="accent1"/>
+          </a:effectRef>
+          <a:fontRef idx="minor">
+            <a:schemeClr val="lt1"/>
+          </a:fontRef>
+        </p:style>
+        <p:txBody>
+          <a:bodyPr rtlCol="0" anchor="ctr"/>
+          <a:lstStyle/>
+          <a:p>
+            <a:pPr algn="ctr"/>
+            <a:endParaRPr lang="en-AT" dirty="0"/>
+          </a:p>
+        </p:txBody>
+      </p:sp>
+    </p:spTree>
+    <p:extLst>
+      <p:ext uri="{BB962C8B-B14F-4D97-AF65-F5344CB8AC3E}">
+        <p14:creationId xmlns:p14="http://schemas.microsoft.com/office/powerpoint/2010/main" val="3500546703"/>
+      </p:ext>
+    </p:extLst>
+  </p:cSld>
+  <p:clrMapOvr>
+    <a:masterClrMapping/>
+  </p:clrMapOvr>
+</p:sld>
+</file>
+
+<file path=ppt/slides/slide3.xml><?xml version="1.0" encoding="utf-8"?>
+<p:sld xmlns:a="http://schemas.openxmlformats.org/drawingml/2006/main" xmlns:r="http://schemas.openxmlformats.org/officeDocument/2006/relationships" xmlns:p="http://schemas.openxmlformats.org/presentationml/2006/main">
+  <p:cSld>
+    <p:spTree>
+      <p:nvGrpSpPr>
+        <p:cNvPr id="1" name=""/>
+        <p:cNvGrpSpPr/>
+        <p:nvPr/>
+      </p:nvGrpSpPr>
+      <p:grpSpPr>
+        <a:xfrm>
+          <a:off x="0" y="0"/>
+          <a:ext cx="0" cy="0"/>
+          <a:chOff x="0" y="0"/>
+          <a:chExt cx="0" cy="0"/>
+        </a:xfrm>
+      </p:grpSpPr>
+      <p:sp>
+        <p:nvSpPr>
+          <p:cNvPr id="4" name="Rounded Rectangle 4">
+            <a:extLst>
+              <a:ext uri="{FF2B5EF4-FFF2-40B4-BE49-F238E27FC236}">
+                <a16:creationId xmlns:a16="http://schemas.microsoft.com/office/drawing/2014/main" id="{16315B99-CFDF-3CAE-84E3-971BF3CFA21B}"/>
+              </a:ext>
+            </a:extLst>
+          </p:cNvPr>
+          <p:cNvSpPr/>
+          <p:nvPr/>
+        </p:nvSpPr>
+        <p:spPr>
+          <a:xfrm>
+            <a:off x="500602" y="4025673"/>
+            <a:ext cx="2755494" cy="1719072"/>
+          </a:xfrm>
+          <a:prstGeom prst="roundRect">
+            <a:avLst/>
+          </a:prstGeom>
+          <a:solidFill>
+            <a:schemeClr val="accent5">
+              <a:lumMod val="75000"/>
+            </a:schemeClr>
+          </a:solidFill>
+          <a:ln>
+            <a:noFill/>
+          </a:ln>
+        </p:spPr>
+        <p:style>
+          <a:lnRef idx="2">
+            <a:schemeClr val="accent1">
+              <a:shade val="50000"/>
+            </a:schemeClr>
+          </a:lnRef>
+          <a:fillRef idx="1">
+            <a:schemeClr val="accent1"/>
+          </a:fillRef>
+          <a:effectRef idx="0">
+            <a:schemeClr val="accent1"/>
+          </a:effectRef>
+          <a:fontRef idx="minor">
+            <a:schemeClr val="lt1"/>
+          </a:fontRef>
+        </p:style>
+        <p:txBody>
+          <a:bodyPr rtlCol="0" anchor="ctr"/>
+          <a:lstStyle/>
+          <a:p>
+            <a:pPr algn="ctr"/>
+            <a:r>
+              <a:rPr lang="en-AT" b="1" dirty="0"/>
+              <a:t>Network Structure Estimation</a:t>
+            </a:r>
+          </a:p>
+        </p:txBody>
+      </p:sp>
+      <p:sp>
+        <p:nvSpPr>
+          <p:cNvPr id="5" name="Rounded Rectangle 8">
+            <a:extLst>
+              <a:ext uri="{FF2B5EF4-FFF2-40B4-BE49-F238E27FC236}">
+                <a16:creationId xmlns:a16="http://schemas.microsoft.com/office/drawing/2014/main" id="{84856CD9-44E2-AB6B-1B6E-F82241980AEF}"/>
+              </a:ext>
+            </a:extLst>
+          </p:cNvPr>
+          <p:cNvSpPr/>
+          <p:nvPr/>
+        </p:nvSpPr>
+        <p:spPr>
+          <a:xfrm>
+            <a:off x="4445857" y="4025673"/>
+            <a:ext cx="2755494" cy="1719072"/>
+          </a:xfrm>
+          <a:prstGeom prst="roundRect">
+            <a:avLst/>
+          </a:prstGeom>
+          <a:solidFill>
+            <a:srgbClr val="C43E25"/>
+          </a:solidFill>
+          <a:ln>
+            <a:noFill/>
+          </a:ln>
+        </p:spPr>
+        <p:style>
+          <a:lnRef idx="2">
+            <a:schemeClr val="accent1">
+              <a:shade val="50000"/>
+            </a:schemeClr>
+          </a:lnRef>
+          <a:fillRef idx="1">
+            <a:schemeClr val="accent1"/>
+          </a:fillRef>
+          <a:effectRef idx="0">
+            <a:schemeClr val="accent1"/>
+          </a:effectRef>
+          <a:fontRef idx="minor">
+            <a:schemeClr val="lt1"/>
+          </a:fontRef>
+        </p:style>
+        <p:txBody>
+          <a:bodyPr rtlCol="0" anchor="ctr"/>
+          <a:lstStyle/>
+          <a:p>
+            <a:pPr algn="ctr"/>
+            <a:r>
+              <a:rPr lang="en-AT" b="1" dirty="0"/>
+              <a:t>Network Description</a:t>
+            </a:r>
+          </a:p>
+        </p:txBody>
+      </p:sp>
+      <p:sp>
+        <p:nvSpPr>
+          <p:cNvPr id="6" name="Rounded Rectangle 10">
+            <a:extLst>
+              <a:ext uri="{FF2B5EF4-FFF2-40B4-BE49-F238E27FC236}">
+                <a16:creationId xmlns:a16="http://schemas.microsoft.com/office/drawing/2014/main" id="{77064D10-8CDA-1A83-2EC4-92C54FC77CAC}"/>
+              </a:ext>
+            </a:extLst>
+          </p:cNvPr>
+          <p:cNvSpPr/>
+          <p:nvPr/>
+        </p:nvSpPr>
+        <p:spPr>
+          <a:xfrm>
+            <a:off x="8391112" y="4025673"/>
+            <a:ext cx="2755494" cy="1719072"/>
+          </a:xfrm>
+          <a:prstGeom prst="roundRect">
+            <a:avLst/>
+          </a:prstGeom>
+          <a:solidFill>
+            <a:schemeClr val="accent6">
+              <a:lumMod val="75000"/>
+            </a:schemeClr>
+          </a:solidFill>
+          <a:ln>
+            <a:noFill/>
+          </a:ln>
+        </p:spPr>
+        <p:style>
+          <a:lnRef idx="2">
+            <a:schemeClr val="accent1">
+              <a:shade val="50000"/>
+            </a:schemeClr>
+          </a:lnRef>
+          <a:fillRef idx="1">
+            <a:schemeClr val="accent1"/>
+          </a:fillRef>
+          <a:effectRef idx="0">
+            <a:schemeClr val="accent1"/>
+          </a:effectRef>
+          <a:fontRef idx="minor">
+            <a:schemeClr val="lt1"/>
+          </a:fontRef>
+        </p:style>
+        <p:txBody>
+          <a:bodyPr rtlCol="0" anchor="ctr"/>
+          <a:lstStyle/>
+          <a:p>
+            <a:pPr algn="ctr"/>
+            <a:r>
+              <a:rPr lang="en-AT" b="1" dirty="0"/>
+              <a:t>Stability Analysis</a:t>
+            </a:r>
+          </a:p>
+        </p:txBody>
+      </p:sp>
+      <p:cxnSp>
+        <p:nvCxnSpPr>
+          <p:cNvPr id="7" name="Straight Arrow Connector 6">
+            <a:extLst>
+              <a:ext uri="{FF2B5EF4-FFF2-40B4-BE49-F238E27FC236}">
+                <a16:creationId xmlns:a16="http://schemas.microsoft.com/office/drawing/2014/main" id="{FB0F74C2-010F-F829-EE48-01BAAAE325D0}"/>
+              </a:ext>
+            </a:extLst>
+          </p:cNvPr>
+          <p:cNvCxnSpPr>
+            <a:cxnSpLocks/>
+          </p:cNvCxnSpPr>
+          <p:nvPr/>
+        </p:nvCxnSpPr>
+        <p:spPr>
+          <a:xfrm>
+            <a:off x="3256096" y="4885209"/>
+            <a:ext cx="1189761" cy="0"/>
+          </a:xfrm>
+          <a:prstGeom prst="straightConnector1">
+            <a:avLst/>
+          </a:prstGeom>
+          <a:ln w="133350">
+            <a:solidFill>
+              <a:srgbClr val="000000"/>
+            </a:solidFill>
+            <a:tailEnd type="triangle"/>
+          </a:ln>
+        </p:spPr>
+        <p:style>
+          <a:lnRef idx="1">
+            <a:schemeClr val="dk1"/>
+          </a:lnRef>
+          <a:fillRef idx="0">
+            <a:schemeClr val="dk1"/>
+          </a:fillRef>
+          <a:effectRef idx="0">
+            <a:schemeClr val="dk1"/>
+          </a:effectRef>
+          <a:fontRef idx="minor">
+            <a:schemeClr val="tx1"/>
+          </a:fontRef>
+        </p:style>
+      </p:cxnSp>
+      <p:cxnSp>
+        <p:nvCxnSpPr>
+          <p:cNvPr id="8" name="Straight Arrow Connector 7">
+            <a:extLst>
+              <a:ext uri="{FF2B5EF4-FFF2-40B4-BE49-F238E27FC236}">
+                <a16:creationId xmlns:a16="http://schemas.microsoft.com/office/drawing/2014/main" id="{105381B2-540D-B2A1-EE88-56C12417558C}"/>
+              </a:ext>
+            </a:extLst>
+          </p:cNvPr>
+          <p:cNvCxnSpPr>
+            <a:cxnSpLocks/>
+          </p:cNvCxnSpPr>
+          <p:nvPr/>
+        </p:nvCxnSpPr>
+        <p:spPr>
+          <a:xfrm>
+            <a:off x="7201351" y="4869588"/>
+            <a:ext cx="1189761" cy="0"/>
+          </a:xfrm>
+          <a:prstGeom prst="straightConnector1">
+            <a:avLst/>
+          </a:prstGeom>
+          <a:ln w="133350">
+            <a:solidFill>
+              <a:srgbClr val="000000">
+                <a:alpha val="10196"/>
+              </a:srgbClr>
+            </a:solidFill>
+            <a:tailEnd type="triangle"/>
+          </a:ln>
+        </p:spPr>
+        <p:style>
+          <a:lnRef idx="1">
+            <a:schemeClr val="dk1"/>
+          </a:lnRef>
+          <a:fillRef idx="0">
+            <a:schemeClr val="dk1"/>
+          </a:fillRef>
+          <a:effectRef idx="0">
+            <a:schemeClr val="dk1"/>
+          </a:effectRef>
+          <a:fontRef idx="minor">
+            <a:schemeClr val="tx1"/>
+          </a:fontRef>
+        </p:style>
+      </p:cxnSp>
+      <p:sp>
+        <p:nvSpPr>
+          <p:cNvPr id="10" name="Rectangle: Rounded Corners 9">
+            <a:extLst>
+              <a:ext uri="{FF2B5EF4-FFF2-40B4-BE49-F238E27FC236}">
+                <a16:creationId xmlns:a16="http://schemas.microsoft.com/office/drawing/2014/main" id="{F9B7F2D8-80C4-4B5B-50F4-B648F1ADAC26}"/>
+              </a:ext>
+            </a:extLst>
+          </p:cNvPr>
+          <p:cNvSpPr/>
+          <p:nvPr/>
+        </p:nvSpPr>
+        <p:spPr>
+          <a:xfrm>
+            <a:off x="8391112" y="4010056"/>
+            <a:ext cx="2755494" cy="1719064"/>
+          </a:xfrm>
+          <a:prstGeom prst="roundRect">
+            <a:avLst/>
+          </a:prstGeom>
+          <a:solidFill>
+            <a:srgbClr val="7C7C7C">
+              <a:alpha val="69804"/>
+            </a:srgbClr>
+          </a:solidFill>
+          <a:ln>
+            <a:noFill/>
+          </a:ln>
+        </p:spPr>
+        <p:style>
+          <a:lnRef idx="2">
+            <a:schemeClr val="accent1">
+              <a:shade val="50000"/>
+            </a:schemeClr>
+          </a:lnRef>
+          <a:fillRef idx="1">
+            <a:schemeClr val="accent1"/>
+          </a:fillRef>
+          <a:effectRef idx="0">
+            <a:schemeClr val="accent1"/>
+          </a:effectRef>
+          <a:fontRef idx="minor">
+            <a:schemeClr val="lt1"/>
+          </a:fontRef>
+        </p:style>
+        <p:txBody>
+          <a:bodyPr rtlCol="0" anchor="ctr"/>
+          <a:lstStyle/>
+          <a:p>
+            <a:pPr algn="ctr"/>
+            <a:endParaRPr lang="en-AT" dirty="0"/>
+          </a:p>
+        </p:txBody>
+      </p:sp>
+    </p:spTree>
+    <p:extLst>
+      <p:ext uri="{BB962C8B-B14F-4D97-AF65-F5344CB8AC3E}">
+        <p14:creationId xmlns:p14="http://schemas.microsoft.com/office/powerpoint/2010/main" val="647815458"/>
+      </p:ext>
+    </p:extLst>
+  </p:cSld>
+  <p:clrMapOvr>
+    <a:masterClrMapping/>
+  </p:clrMapOvr>
+</p:sld>
+</file>
+
+<file path=ppt/slides/slide4.xml><?xml version="1.0" encoding="utf-8"?>
+<p:sld xmlns:a="http://schemas.openxmlformats.org/drawingml/2006/main" xmlns:r="http://schemas.openxmlformats.org/officeDocument/2006/relationships" xmlns:p="http://schemas.openxmlformats.org/presentationml/2006/main">
+  <p:cSld>
+    <p:spTree>
+      <p:nvGrpSpPr>
+        <p:cNvPr id="1" name=""/>
+        <p:cNvGrpSpPr/>
+        <p:nvPr/>
+      </p:nvGrpSpPr>
+      <p:grpSpPr>
+        <a:xfrm>
+          <a:off x="0" y="0"/>
+          <a:ext cx="0" cy="0"/>
+          <a:chOff x="0" y="0"/>
+          <a:chExt cx="0" cy="0"/>
+        </a:xfrm>
+      </p:grpSpPr>
+      <p:sp>
+        <p:nvSpPr>
+          <p:cNvPr id="2" name="Rounded Rectangle 4">
+            <a:extLst>
+              <a:ext uri="{FF2B5EF4-FFF2-40B4-BE49-F238E27FC236}">
+                <a16:creationId xmlns:a16="http://schemas.microsoft.com/office/drawing/2014/main" id="{2FC3EAE6-64F8-0B75-98AF-EFF125C5351C}"/>
+              </a:ext>
+            </a:extLst>
+          </p:cNvPr>
+          <p:cNvSpPr/>
+          <p:nvPr/>
+        </p:nvSpPr>
+        <p:spPr>
+          <a:xfrm>
+            <a:off x="500602" y="4025673"/>
+            <a:ext cx="2755494" cy="1719072"/>
+          </a:xfrm>
+          <a:prstGeom prst="roundRect">
+            <a:avLst/>
+          </a:prstGeom>
+          <a:solidFill>
+            <a:schemeClr val="accent5">
+              <a:lumMod val="75000"/>
+            </a:schemeClr>
+          </a:solidFill>
+          <a:ln>
+            <a:noFill/>
+          </a:ln>
+        </p:spPr>
+        <p:style>
+          <a:lnRef idx="2">
+            <a:schemeClr val="accent1">
+              <a:shade val="50000"/>
+            </a:schemeClr>
+          </a:lnRef>
+          <a:fillRef idx="1">
+            <a:schemeClr val="accent1"/>
+          </a:fillRef>
+          <a:effectRef idx="0">
+            <a:schemeClr val="accent1"/>
+          </a:effectRef>
+          <a:fontRef idx="minor">
+            <a:schemeClr val="lt1"/>
+          </a:fontRef>
+        </p:style>
+        <p:txBody>
+          <a:bodyPr rtlCol="0" anchor="ctr"/>
+          <a:lstStyle/>
+          <a:p>
+            <a:pPr algn="ctr"/>
+            <a:r>
+              <a:rPr lang="en-AT" b="1" dirty="0"/>
+              <a:t>Network Structure Estimation</a:t>
+            </a:r>
+          </a:p>
+        </p:txBody>
+      </p:sp>
+      <p:sp>
+        <p:nvSpPr>
+          <p:cNvPr id="3" name="Rounded Rectangle 8">
+            <a:extLst>
+              <a:ext uri="{FF2B5EF4-FFF2-40B4-BE49-F238E27FC236}">
+                <a16:creationId xmlns:a16="http://schemas.microsoft.com/office/drawing/2014/main" id="{2C18C9C0-B1FB-BF48-2724-7C1DFC650BC3}"/>
+              </a:ext>
+            </a:extLst>
+          </p:cNvPr>
+          <p:cNvSpPr/>
+          <p:nvPr/>
+        </p:nvSpPr>
+        <p:spPr>
+          <a:xfrm>
+            <a:off x="4445857" y="4025673"/>
+            <a:ext cx="2755494" cy="1719072"/>
+          </a:xfrm>
+          <a:prstGeom prst="roundRect">
+            <a:avLst/>
+          </a:prstGeom>
+          <a:solidFill>
+            <a:srgbClr val="C43E25"/>
+          </a:solidFill>
+          <a:ln>
+            <a:noFill/>
+          </a:ln>
+        </p:spPr>
+        <p:style>
+          <a:lnRef idx="2">
+            <a:schemeClr val="accent1">
+              <a:shade val="50000"/>
+            </a:schemeClr>
+          </a:lnRef>
+          <a:fillRef idx="1">
+            <a:schemeClr val="accent1"/>
+          </a:fillRef>
+          <a:effectRef idx="0">
+            <a:schemeClr val="accent1"/>
+          </a:effectRef>
+          <a:fontRef idx="minor">
+            <a:schemeClr val="lt1"/>
+          </a:fontRef>
+        </p:style>
+        <p:txBody>
+          <a:bodyPr rtlCol="0" anchor="ctr"/>
+          <a:lstStyle/>
+          <a:p>
+            <a:pPr algn="ctr"/>
+            <a:r>
+              <a:rPr lang="en-AT" b="1" dirty="0"/>
+              <a:t>Network Description</a:t>
+            </a:r>
+          </a:p>
+        </p:txBody>
+      </p:sp>
+      <p:sp>
+        <p:nvSpPr>
+          <p:cNvPr id="4" name="Rounded Rectangle 10">
+            <a:extLst>
+              <a:ext uri="{FF2B5EF4-FFF2-40B4-BE49-F238E27FC236}">
+                <a16:creationId xmlns:a16="http://schemas.microsoft.com/office/drawing/2014/main" id="{06CECB68-68AB-75E6-6F93-6DD6AD8AA7EC}"/>
+              </a:ext>
+            </a:extLst>
+          </p:cNvPr>
+          <p:cNvSpPr/>
+          <p:nvPr/>
+        </p:nvSpPr>
+        <p:spPr>
+          <a:xfrm>
+            <a:off x="8391112" y="4025673"/>
+            <a:ext cx="2755494" cy="1719072"/>
+          </a:xfrm>
+          <a:prstGeom prst="roundRect">
+            <a:avLst/>
+          </a:prstGeom>
+          <a:solidFill>
+            <a:schemeClr val="accent6">
+              <a:lumMod val="75000"/>
+            </a:schemeClr>
+          </a:solidFill>
+          <a:ln>
+            <a:noFill/>
+          </a:ln>
+        </p:spPr>
+        <p:style>
+          <a:lnRef idx="2">
+            <a:schemeClr val="accent1">
+              <a:shade val="50000"/>
+            </a:schemeClr>
+          </a:lnRef>
+          <a:fillRef idx="1">
+            <a:schemeClr val="accent1"/>
+          </a:fillRef>
+          <a:effectRef idx="0">
+            <a:schemeClr val="accent1"/>
+          </a:effectRef>
+          <a:fontRef idx="minor">
+            <a:schemeClr val="lt1"/>
+          </a:fontRef>
+        </p:style>
+        <p:txBody>
+          <a:bodyPr rtlCol="0" anchor="ctr"/>
+          <a:lstStyle/>
+          <a:p>
+            <a:pPr algn="ctr"/>
+            <a:r>
+              <a:rPr lang="en-AT" b="1" dirty="0"/>
+              <a:t>Stability Analysis</a:t>
+            </a:r>
+          </a:p>
+        </p:txBody>
+      </p:sp>
+      <p:cxnSp>
+        <p:nvCxnSpPr>
+          <p:cNvPr id="5" name="Straight Arrow Connector 4">
+            <a:extLst>
+              <a:ext uri="{FF2B5EF4-FFF2-40B4-BE49-F238E27FC236}">
+                <a16:creationId xmlns:a16="http://schemas.microsoft.com/office/drawing/2014/main" id="{CCEB82CB-61C0-D1EB-0E98-5ACD388B6905}"/>
+              </a:ext>
+            </a:extLst>
+          </p:cNvPr>
+          <p:cNvCxnSpPr>
+            <a:cxnSpLocks/>
+          </p:cNvCxnSpPr>
+          <p:nvPr/>
+        </p:nvCxnSpPr>
+        <p:spPr>
+          <a:xfrm>
+            <a:off x="3256096" y="4885209"/>
+            <a:ext cx="1189761" cy="0"/>
+          </a:xfrm>
+          <a:prstGeom prst="straightConnector1">
+            <a:avLst/>
+          </a:prstGeom>
+          <a:ln w="133350">
+            <a:solidFill>
+              <a:srgbClr val="000000"/>
+            </a:solidFill>
+            <a:tailEnd type="triangle"/>
+          </a:ln>
+        </p:spPr>
+        <p:style>
+          <a:lnRef idx="1">
+            <a:schemeClr val="dk1"/>
+          </a:lnRef>
+          <a:fillRef idx="0">
+            <a:schemeClr val="dk1"/>
+          </a:fillRef>
+          <a:effectRef idx="0">
+            <a:schemeClr val="dk1"/>
+          </a:effectRef>
+          <a:fontRef idx="minor">
+            <a:schemeClr val="tx1"/>
+          </a:fontRef>
+        </p:style>
+      </p:cxnSp>
+      <p:cxnSp>
+        <p:nvCxnSpPr>
+          <p:cNvPr id="6" name="Straight Arrow Connector 5">
+            <a:extLst>
+              <a:ext uri="{FF2B5EF4-FFF2-40B4-BE49-F238E27FC236}">
+                <a16:creationId xmlns:a16="http://schemas.microsoft.com/office/drawing/2014/main" id="{B18B7076-FC78-36AF-FFA3-34011159100C}"/>
+              </a:ext>
+            </a:extLst>
+          </p:cNvPr>
+          <p:cNvCxnSpPr>
+            <a:cxnSpLocks/>
+          </p:cNvCxnSpPr>
+          <p:nvPr/>
+        </p:nvCxnSpPr>
+        <p:spPr>
+          <a:xfrm>
+            <a:off x="7201351" y="4869588"/>
+            <a:ext cx="1189761" cy="0"/>
+          </a:xfrm>
+          <a:prstGeom prst="straightConnector1">
+            <a:avLst/>
+          </a:prstGeom>
+          <a:ln w="133350">
+            <a:solidFill>
+              <a:srgbClr val="000000"/>
+            </a:solidFill>
+            <a:tailEnd type="triangle"/>
+          </a:ln>
+        </p:spPr>
+        <p:style>
+          <a:lnRef idx="1">
+            <a:schemeClr val="dk1"/>
+          </a:lnRef>
+          <a:fillRef idx="0">
+            <a:schemeClr val="dk1"/>
+          </a:fillRef>
+          <a:effectRef idx="0">
+            <a:schemeClr val="dk1"/>
+          </a:effectRef>
+          <a:fontRef idx="minor">
+            <a:schemeClr val="tx1"/>
+          </a:fontRef>
+        </p:style>
+      </p:cxnSp>
+    </p:spTree>
+    <p:extLst>
+      <p:ext uri="{BB962C8B-B14F-4D97-AF65-F5344CB8AC3E}">
+        <p14:creationId xmlns:p14="http://schemas.microsoft.com/office/powerpoint/2010/main" val="3594582226"/>
+      </p:ext>
+    </p:extLst>
+  </p:cSld>
+  <p:clrMapOvr>
+    <a:masterClrMapping/>
+  </p:clrMapOvr>
+</p:sld>
+</file>
+
 <file path=ppt/theme/theme1.xml><?xml version="1.0" encoding="utf-8"?>
 <a:theme xmlns:a="http://schemas.openxmlformats.org/drawingml/2006/main" name="Office Theme">
   <a:themeElements>
